--- a/Final Data Analysis/Food Access in Georgia.pptx
+++ b/Final Data Analysis/Food Access in Georgia.pptx
@@ -1455,7 +1455,51 @@
             </a:pPr>
             <a:r>
               <a:rPr lang="en"/>
-              <a:t>We then utilized a scatter plot to chart all counties using the poverty rate and the adult diabetes rate. The linear regression demonstrates a weak correlation between these two variables that as poverty rate increases, adult diabetes rates tend to increase. However, due to the r-squared value being under .3, we can not determine if these variables are correlated. </a:t>
+              <a:t>To identify if health outcomes are affected by poverty rate, w</a:t>
+            </a:r>
+            <a:r>
+              <a:rPr lang="en"/>
+              <a:t>e utilized a scatter plot to chart all counties using the poverty rate and the adult diabetes rate. The diabetes rate average for the state of Georgia about 12%. The linear regression trend line indicates a weak correlation between these two variables that as poverty rate increases, adult diabetes rates tend to increase. However, due to the r-squared value being under .3, we can not determine if these variables are correlated.</a:t>
+            </a:r>
+            <a:endParaRPr/>
+          </a:p>
+          <a:p>
+            <a:pPr indent="0" lvl="0" marL="0" rtl="0" algn="l">
+              <a:spcBef>
+                <a:spcPts val="0"/>
+              </a:spcBef>
+              <a:spcAft>
+                <a:spcPts val="0"/>
+              </a:spcAft>
+              <a:buNone/>
+            </a:pPr>
+            <a:r>
+              <a:t/>
+            </a:r>
+            <a:endParaRPr/>
+          </a:p>
+          <a:p>
+            <a:pPr indent="0" lvl="0" marL="0" rtl="0" algn="l">
+              <a:spcBef>
+                <a:spcPts val="0"/>
+              </a:spcBef>
+              <a:spcAft>
+                <a:spcPts val="0"/>
+              </a:spcAft>
+              <a:buClr>
+                <a:schemeClr val="dk1"/>
+              </a:buClr>
+              <a:buSzPts val="1100"/>
+              <a:buFont typeface="Arial"/>
+              <a:buNone/>
+            </a:pPr>
+            <a:r>
+              <a:rPr lang="en">
+                <a:solidFill>
+                  <a:schemeClr val="dk1"/>
+                </a:solidFill>
+              </a:rPr>
+              <a:t>We then compared the diabetes rate to median household income for all counties to see if there was a weak correlation between these two factors. Median Household income was defined by the USDA Food Access Atlas was based on the distribution of family income, which also included families with no income. As a reminder, the median household income for the state of Georgia is around 42K and as you can see is where a majority of the counties fall within the graph. In our analysis we found an R-squared value of .21 which indicates a very weak correlation  between the two variables. Although these two variables do not have a strong correlation, in future analysis, we believe that data showing diabetes rates over time by county would support the theory of access to healthy foods can be affected by the financial demographics of a counties population. </a:t>
             </a:r>
             <a:endParaRPr/>
           </a:p>
@@ -1781,9 +1825,84 @@
               <a:buNone/>
             </a:pPr>
             <a:r>
+              <a:rPr lang="en"/>
+              <a:t>Discuss first paragraph </a:t>
+            </a:r>
+            <a:endParaRPr/>
+          </a:p>
+          <a:p>
+            <a:pPr indent="0" lvl="0" marL="0" rtl="0" algn="l">
+              <a:spcBef>
+                <a:spcPts val="0"/>
+              </a:spcBef>
+              <a:spcAft>
+                <a:spcPts val="0"/>
+              </a:spcAft>
+              <a:buNone/>
+            </a:pPr>
+            <a:r>
               <a:t/>
             </a:r>
             <a:endParaRPr/>
+          </a:p>
+          <a:p>
+            <a:pPr indent="0" lvl="0" marL="0" rtl="0" algn="l">
+              <a:lnSpc>
+                <a:spcPct val="115000"/>
+              </a:lnSpc>
+              <a:spcBef>
+                <a:spcPts val="0"/>
+              </a:spcBef>
+              <a:spcAft>
+                <a:spcPts val="0"/>
+              </a:spcAft>
+              <a:buClr>
+                <a:schemeClr val="dk1"/>
+              </a:buClr>
+              <a:buSzPts val="1100"/>
+              <a:buFont typeface="Arial"/>
+              <a:buNone/>
+            </a:pPr>
+            <a:r>
+              <a:rPr lang="en">
+                <a:solidFill>
+                  <a:schemeClr val="dk1"/>
+                </a:solidFill>
+                <a:latin typeface="Roboto"/>
+                <a:ea typeface="Roboto"/>
+                <a:cs typeface="Roboto"/>
+                <a:sym typeface="Roboto"/>
+              </a:rPr>
+              <a:t>This makes sense, because it is a college town, with ~40k students providing an economic boost. Although students are considered temporary residents, the population influx and money that comes with, are able to drive infrastructure to a level comparable to counties where the census reports higher median incomes. </a:t>
+            </a:r>
+            <a:endParaRPr>
+              <a:solidFill>
+                <a:schemeClr val="dk1"/>
+              </a:solidFill>
+              <a:latin typeface="Roboto"/>
+              <a:ea typeface="Roboto"/>
+              <a:cs typeface="Roboto"/>
+              <a:sym typeface="Roboto"/>
+            </a:endParaRPr>
+          </a:p>
+          <a:p>
+            <a:pPr indent="0" lvl="0" marL="0" rtl="0" algn="l">
+              <a:spcBef>
+                <a:spcPts val="1200"/>
+              </a:spcBef>
+              <a:spcAft>
+                <a:spcPts val="0"/>
+              </a:spcAft>
+              <a:buNone/>
+            </a:pPr>
+            <a:r>
+              <a:t/>
+            </a:r>
+            <a:endParaRPr>
+              <a:solidFill>
+                <a:schemeClr val="dk1"/>
+              </a:solidFill>
+            </a:endParaRPr>
           </a:p>
         </p:txBody>
       </p:sp>
@@ -1958,7 +2077,7 @@
       </p:grpSpPr>
       <p:sp>
         <p:nvSpPr>
-          <p:cNvPr id="80" name="Google Shape;80;g2a67c509c6f_0_52:notes"/>
+          <p:cNvPr id="80" name="Google Shape;80;g2a67c509df7_2_0:notes"/>
           <p:cNvSpPr/>
           <p:nvPr>
             <p:ph idx="2" type="sldImg"/>
@@ -1993,7 +2112,7 @@
       </p:sp>
       <p:sp>
         <p:nvSpPr>
-          <p:cNvPr id="81" name="Google Shape;81;g2a67c509c6f_0_52:notes"/>
+          <p:cNvPr id="81" name="Google Shape;81;g2a67c509df7_2_0:notes"/>
           <p:cNvSpPr txBox="1"/>
           <p:nvPr>
             <p:ph idx="1" type="body"/>
@@ -2024,8 +2143,71 @@
               <a:buNone/>
             </a:pPr>
             <a:r>
-              <a:rPr lang="en"/>
+              <a:rPr lang="en" sz="1200">
+                <a:solidFill>
+                  <a:srgbClr val="374151"/>
+                </a:solidFill>
+                <a:latin typeface="Roboto"/>
+                <a:ea typeface="Roboto"/>
+                <a:cs typeface="Roboto"/>
+                <a:sym typeface="Roboto"/>
+              </a:rPr>
               <a:t>Connor</a:t>
+            </a:r>
+            <a:endParaRPr sz="1200">
+              <a:solidFill>
+                <a:srgbClr val="374151"/>
+              </a:solidFill>
+              <a:latin typeface="Roboto"/>
+              <a:ea typeface="Roboto"/>
+              <a:cs typeface="Roboto"/>
+              <a:sym typeface="Roboto"/>
+            </a:endParaRPr>
+          </a:p>
+          <a:p>
+            <a:pPr indent="0" lvl="0" marL="0" rtl="0" algn="l">
+              <a:spcBef>
+                <a:spcPts val="0"/>
+              </a:spcBef>
+              <a:spcAft>
+                <a:spcPts val="0"/>
+              </a:spcAft>
+              <a:buNone/>
+            </a:pPr>
+            <a:r>
+              <a:t/>
+            </a:r>
+            <a:endParaRPr sz="1200">
+              <a:solidFill>
+                <a:srgbClr val="374151"/>
+              </a:solidFill>
+              <a:latin typeface="Roboto"/>
+              <a:ea typeface="Roboto"/>
+              <a:cs typeface="Roboto"/>
+              <a:sym typeface="Roboto"/>
+            </a:endParaRPr>
+          </a:p>
+          <a:p>
+            <a:pPr indent="0" lvl="0" marL="0" rtl="0" algn="l">
+              <a:spcBef>
+                <a:spcPts val="0"/>
+              </a:spcBef>
+              <a:spcAft>
+                <a:spcPts val="0"/>
+              </a:spcAft>
+              <a:buNone/>
+            </a:pPr>
+            <a:r>
+              <a:rPr lang="en" sz="1200">
+                <a:solidFill>
+                  <a:srgbClr val="374151"/>
+                </a:solidFill>
+                <a:latin typeface="Roboto"/>
+                <a:ea typeface="Roboto"/>
+                <a:cs typeface="Roboto"/>
+                <a:sym typeface="Roboto"/>
+              </a:rPr>
+              <a:t>Within our graph, we have ten counties, each with an associated poverty rate. Counties with higher poverty rates may face greater economic challenges, while those with lower rates may have relatively more economic prosperity. The data is sorted in descending order based on the poverty rate, and the top 5 and lowest 5 counties are selected for visualization. The color of each bar in the chart reflects whether the poverty rate is above 15% (red) or not (blue). This color distinction helps highlight counties with higher poverty rates.</a:t>
             </a:r>
             <a:endParaRPr/>
           </a:p>
@@ -2058,7 +2240,7 @@
       </p:grpSpPr>
       <p:sp>
         <p:nvSpPr>
-          <p:cNvPr id="88" name="Google Shape;88;g2a67c509df7_2_0:notes"/>
+          <p:cNvPr id="88" name="Google Shape;88;g263fca1573a_0_7:notes"/>
           <p:cNvSpPr/>
           <p:nvPr>
             <p:ph idx="2" type="sldImg"/>
@@ -2093,7 +2275,7 @@
       </p:sp>
       <p:sp>
         <p:nvSpPr>
-          <p:cNvPr id="89" name="Google Shape;89;g2a67c509df7_2_0:notes"/>
+          <p:cNvPr id="89" name="Google Shape;89;g263fca1573a_0_7:notes"/>
           <p:cNvSpPr txBox="1"/>
           <p:nvPr>
             <p:ph idx="1" type="body"/>
@@ -2124,71 +2306,8 @@
               <a:buNone/>
             </a:pPr>
             <a:r>
-              <a:rPr lang="en" sz="1200">
-                <a:solidFill>
-                  <a:srgbClr val="374151"/>
-                </a:solidFill>
-                <a:latin typeface="Roboto"/>
-                <a:ea typeface="Roboto"/>
-                <a:cs typeface="Roboto"/>
-                <a:sym typeface="Roboto"/>
-              </a:rPr>
+              <a:rPr lang="en"/>
               <a:t>Connor</a:t>
-            </a:r>
-            <a:endParaRPr sz="1200">
-              <a:solidFill>
-                <a:srgbClr val="374151"/>
-              </a:solidFill>
-              <a:latin typeface="Roboto"/>
-              <a:ea typeface="Roboto"/>
-              <a:cs typeface="Roboto"/>
-              <a:sym typeface="Roboto"/>
-            </a:endParaRPr>
-          </a:p>
-          <a:p>
-            <a:pPr indent="0" lvl="0" marL="0" rtl="0" algn="l">
-              <a:spcBef>
-                <a:spcPts val="0"/>
-              </a:spcBef>
-              <a:spcAft>
-                <a:spcPts val="0"/>
-              </a:spcAft>
-              <a:buNone/>
-            </a:pPr>
-            <a:r>
-              <a:t/>
-            </a:r>
-            <a:endParaRPr sz="1200">
-              <a:solidFill>
-                <a:srgbClr val="374151"/>
-              </a:solidFill>
-              <a:latin typeface="Roboto"/>
-              <a:ea typeface="Roboto"/>
-              <a:cs typeface="Roboto"/>
-              <a:sym typeface="Roboto"/>
-            </a:endParaRPr>
-          </a:p>
-          <a:p>
-            <a:pPr indent="0" lvl="0" marL="0" rtl="0" algn="l">
-              <a:spcBef>
-                <a:spcPts val="0"/>
-              </a:spcBef>
-              <a:spcAft>
-                <a:spcPts val="0"/>
-              </a:spcAft>
-              <a:buNone/>
-            </a:pPr>
-            <a:r>
-              <a:rPr lang="en" sz="1200">
-                <a:solidFill>
-                  <a:srgbClr val="374151"/>
-                </a:solidFill>
-                <a:latin typeface="Roboto"/>
-                <a:ea typeface="Roboto"/>
-                <a:cs typeface="Roboto"/>
-                <a:sym typeface="Roboto"/>
-              </a:rPr>
-              <a:t>Within our graph, we have ten counties, each with an associated poverty rate. Counties with higher poverty rates may face greater economic challenges, while those with lower rates may have relatively more economic prosperity. The data is sorted in descending order based on the poverty rate, and the top 5 and lowest 5 counties are selected for visualization. The color of each bar in the chart reflects whether the poverty rate is above 15% (red) or not (blue). This color distinction helps highlight counties with higher poverty rates.</a:t>
             </a:r>
             <a:endParaRPr/>
           </a:p>
@@ -2207,7 +2326,7 @@
   <p:cSld>
     <p:spTree>
       <p:nvGrpSpPr>
-        <p:cNvPr id="95" name="Shape 95"/>
+        <p:cNvPr id="94" name="Shape 94"/>
         <p:cNvGrpSpPr/>
         <p:nvPr/>
       </p:nvGrpSpPr>
@@ -2221,7 +2340,7 @@
       </p:grpSpPr>
       <p:sp>
         <p:nvSpPr>
-          <p:cNvPr id="96" name="Google Shape;96;g263fca1573a_0_7:notes"/>
+          <p:cNvPr id="95" name="Google Shape;95;g2a67c509c6f_0_52:notes"/>
           <p:cNvSpPr/>
           <p:nvPr>
             <p:ph idx="2" type="sldImg"/>
@@ -2256,7 +2375,7 @@
       </p:sp>
       <p:sp>
         <p:nvSpPr>
-          <p:cNvPr id="97" name="Google Shape;97;g263fca1573a_0_7:notes"/>
+          <p:cNvPr id="96" name="Google Shape;96;g2a67c509c6f_0_52:notes"/>
           <p:cNvSpPr txBox="1"/>
           <p:nvPr>
             <p:ph idx="1" type="body"/>
@@ -2439,7 +2558,7 @@
             </a:pPr>
             <a:r>
               <a:rPr lang="en"/>
-              <a:t>Now that we understand how the USDA defines our access point variables, we can make more sense out of the visualizations. As previously stated, we’re focusing today on access points (counts/availability) vs access itself. We can see that in the lowest poverty rate counties, and in Clark County (one of the highest poverty counties), fast food establishments vastly outnumber grocery stores and convenience stores. The next most prevalent access point type are convenience stores– and we can see that the trend is consistent between the highest and lowest poverty counties. Convenience stores outnumber grocery stores in each county we sampled, no matter the poverty rate. Grocery stores have the lowest numbers in both visualizations, with Forsyth county at 36 and Stewart, Wheeler, and Calhoun each having just one. </a:t>
+              <a:t>Now that we understand how the USDA defines our access point variables, we can make more sense out of the visualizations. As previously stated, we’re focusing today on access points (counts/availability) vs access itself. We can see that in the lowest poverty rate counties, and in Clark County (one of the highest poverty counties), fast food establishments vastly outnumber grocery stores and convenience stores. The next most prevalent access point type are convenience stores– and we can see that the trend is consistent between the highest and lowest poverty counties. Convenience stores outnumber grocery stores in each county we sampled, no matter the poverty rate. Grocery stores have the lowest numbers in both visualizations, with Forsyth county at 36 and Stewart, Wheeler, and Calhoun each having just one (well below the average number of 11). </a:t>
             </a:r>
             <a:endParaRPr/>
           </a:p>
@@ -9110,7 +9229,7 @@
             </a:pPr>
             <a:r>
               <a:rPr lang="en" sz="4020"/>
-              <a:t>How do these variables affect diabetes rates? </a:t>
+              <a:t>How do poverty &amp; income affect diabetes rates? </a:t>
             </a:r>
             <a:endParaRPr sz="4020"/>
           </a:p>
@@ -9858,7 +9977,7 @@
         </p:spPr>
         <p:txBody>
           <a:bodyPr anchorCtr="0" anchor="t" bIns="91425" lIns="91425" spcFirstLastPara="1" rIns="91425" wrap="square" tIns="91425">
-            <a:normAutofit fontScale="77500" lnSpcReduction="20000"/>
+            <a:normAutofit fontScale="85000" lnSpcReduction="10000"/>
           </a:bodyPr>
           <a:lstStyle/>
           <a:p>
@@ -9873,7 +9992,7 @@
             </a:pPr>
             <a:r>
               <a:rPr lang="en"/>
-              <a:t>Based on the data we recovered, we failed to reject the null hypothesis. It does appear that as poverty rates increase, access to healthy food decreases. Additionally, it appears that as poverty rates increase, diabetes rates also increase. That being said, although the visualizations display clear trends, the statistical significance of the data we pulled was too weak to determine correlation.</a:t>
+              <a:t>Based on the data we recovered, we were able reject the null hypothesis. It does appear that as poverty rates increase, access to healthy food decreases. Additionally, it appears that as poverty rates increase, diabetes rates also increase. That being said, although the visualizations display clear trends in the relationship of health and income, the statistical significance of that data was too weak to determine correlation.</a:t>
             </a:r>
             <a:endParaRPr/>
           </a:p>
@@ -9889,19 +10008,7 @@
             </a:pPr>
             <a:r>
               <a:rPr lang="en"/>
-              <a:t>Clarke County is a potential outlier in our data, because although it is among the highest poverty rate counties in Georgia, the population has similar food access to counties with the lowest poverty rates. This makes sense, </a:t>
-            </a:r>
-            <a:r>
-              <a:rPr lang="en"/>
-              <a:t>because</a:t>
-            </a:r>
-            <a:r>
-              <a:rPr lang="en"/>
-              <a:t> it is a college town, with ~40k students providing an economic boost. Although students are considered temporary residents, the population influx and money that comes with, are able to drive </a:t>
-            </a:r>
-            <a:r>
-              <a:rPr lang="en"/>
-              <a:t>infrastructure to a level comparable to counties where the census reports higher median incomes. </a:t>
+              <a:t>Clarke County is a potential outlier in our data, because although it is among the highest poverty rate counties in Georgia, the population has similar food access to counties with the lowest poverty rates. </a:t>
             </a:r>
             <a:endParaRPr/>
           </a:p>
@@ -10100,7 +10207,7 @@
             <a:tbl>
               <a:tblPr>
                 <a:noFill/>
-                <a:tableStyleId>{7C05F6D9-9267-4CEE-AE62-CB4F7AED34D6}</a:tableStyleId>
+                <a:tableStyleId>{E3A1971C-CDAA-4157-9AC3-DE15B16A67AB}</a:tableStyleId>
               </a:tblPr>
               <a:tblGrid>
                 <a:gridCol w="1524000"/>
@@ -10780,6 +10887,13 @@
 <file path=ppt/slides/slide3.xml><?xml version="1.0" encoding="utf-8"?>
 <p:sld xmlns:a="http://schemas.openxmlformats.org/drawingml/2006/main" xmlns:r="http://schemas.openxmlformats.org/officeDocument/2006/relationships" xmlns:mc="http://schemas.openxmlformats.org/markup-compatibility/2006" xmlns:mv="urn:schemas-microsoft-com:mac:vml" xmlns:p="http://schemas.openxmlformats.org/presentationml/2006/main" xmlns:c="http://schemas.openxmlformats.org/drawingml/2006/chart" xmlns:dgm="http://schemas.openxmlformats.org/drawingml/2006/diagram" xmlns:o="urn:schemas-microsoft-com:office:office" xmlns:v="urn:schemas-microsoft-com:vml" xmlns:pvml="urn:schemas-microsoft-com:office:powerpoint" xmlns:com="http://schemas.openxmlformats.org/drawingml/2006/compatibility" xmlns:p14="http://schemas.microsoft.com/office/powerpoint/2010/main" xmlns:p15="http://schemas.microsoft.com/office/powerpoint/2012/main" xmlns:ahyp="http://schemas.microsoft.com/office/drawing/2018/hyperlinkcolor">
   <p:cSld>
+    <p:bg>
+      <p:bgPr>
+        <a:solidFill>
+          <a:schemeClr val="dk1"/>
+        </a:solidFill>
+      </p:bgPr>
+    </p:bg>
     <p:spTree>
       <p:nvGrpSpPr>
         <p:cNvPr id="82" name="Shape 82"/>
@@ -10804,8 +10918,8 @@
         </p:nvSpPr>
         <p:spPr>
           <a:xfrm>
-            <a:off x="896125" y="787800"/>
-            <a:ext cx="8034600" cy="1891800"/>
+            <a:off x="387900" y="458025"/>
+            <a:ext cx="8368200" cy="686100"/>
           </a:xfrm>
           <a:prstGeom prst="rect">
             <a:avLst/>
@@ -10813,132 +10927,229 @@
         </p:spPr>
         <p:txBody>
           <a:bodyPr anchorCtr="0" anchor="b" bIns="91425" lIns="91425" spcFirstLastPara="1" rIns="91425" wrap="square" tIns="91425">
+            <a:normAutofit/>
+          </a:bodyPr>
+          <a:lstStyle/>
+          <a:p>
+            <a:pPr indent="0" lvl="0" marL="0" rtl="0" algn="l">
+              <a:spcBef>
+                <a:spcPts val="0"/>
+              </a:spcBef>
+              <a:spcAft>
+                <a:spcPts val="0"/>
+              </a:spcAft>
+              <a:buNone/>
+            </a:pPr>
+            <a:r>
+              <a:rPr lang="en">
+                <a:solidFill>
+                  <a:schemeClr val="lt1"/>
+                </a:solidFill>
+              </a:rPr>
+              <a:t>Poverty Rate</a:t>
+            </a:r>
+            <a:endParaRPr>
+              <a:solidFill>
+                <a:schemeClr val="lt1"/>
+              </a:solidFill>
+            </a:endParaRPr>
+          </a:p>
+        </p:txBody>
+      </p:sp>
+      <p:sp>
+        <p:nvSpPr>
+          <p:cNvPr id="84" name="Google Shape;84;p15"/>
+          <p:cNvSpPr txBox="1"/>
+          <p:nvPr>
+            <p:ph idx="1" type="body"/>
+          </p:nvPr>
+        </p:nvSpPr>
+        <p:spPr>
+          <a:xfrm>
+            <a:off x="387900" y="1351250"/>
+            <a:ext cx="8368200" cy="3217500"/>
+          </a:xfrm>
+          <a:prstGeom prst="rect">
+            <a:avLst/>
+          </a:prstGeom>
+        </p:spPr>
+        <p:txBody>
+          <a:bodyPr anchorCtr="0" anchor="t" bIns="91425" lIns="91425" spcFirstLastPara="1" rIns="91425" wrap="square" tIns="91425">
+            <a:normAutofit/>
+          </a:bodyPr>
+          <a:lstStyle/>
+          <a:p>
+            <a:pPr indent="0" lvl="0" marL="0" rtl="0" algn="l">
+              <a:lnSpc>
+                <a:spcPct val="95000"/>
+              </a:lnSpc>
+              <a:spcBef>
+                <a:spcPts val="0"/>
+              </a:spcBef>
+              <a:spcAft>
+                <a:spcPts val="0"/>
+              </a:spcAft>
+              <a:buClr>
+                <a:schemeClr val="dk1"/>
+              </a:buClr>
+              <a:buSzPts val="1018"/>
+              <a:buFont typeface="Arial"/>
+              <a:buNone/>
+            </a:pPr>
+            <a:r>
+              <a:t/>
+            </a:r>
+            <a:endParaRPr sz="1895">
+              <a:solidFill>
+                <a:schemeClr val="lt1"/>
+              </a:solidFill>
+            </a:endParaRPr>
+          </a:p>
+          <a:p>
+            <a:pPr indent="0" lvl="0" marL="0" rtl="0" algn="l">
+              <a:lnSpc>
+                <a:spcPct val="95000"/>
+              </a:lnSpc>
+              <a:spcBef>
+                <a:spcPts val="1200"/>
+              </a:spcBef>
+              <a:spcAft>
+                <a:spcPts val="1200"/>
+              </a:spcAft>
+              <a:buSzPts val="1018"/>
+              <a:buNone/>
+            </a:pPr>
+            <a:r>
+              <a:t/>
+            </a:r>
+            <a:endParaRPr sz="1229"/>
+          </a:p>
+        </p:txBody>
+      </p:sp>
+      <p:sp>
+        <p:nvSpPr>
+          <p:cNvPr id="85" name="Google Shape;85;p15"/>
+          <p:cNvSpPr txBox="1"/>
+          <p:nvPr/>
+        </p:nvSpPr>
+        <p:spPr>
+          <a:xfrm>
+            <a:off x="489500" y="1643678"/>
+            <a:ext cx="3104700" cy="2844300"/>
+          </a:xfrm>
+          <a:prstGeom prst="rect">
+            <a:avLst/>
+          </a:prstGeom>
+          <a:noFill/>
+          <a:ln>
+            <a:noFill/>
+          </a:ln>
+        </p:spPr>
+        <p:txBody>
+          <a:bodyPr anchorCtr="0" anchor="t" bIns="91425" lIns="91425" spcFirstLastPara="1" rIns="91425" wrap="square" tIns="91425">
             <a:noAutofit/>
           </a:bodyPr>
           <a:lstStyle/>
           <a:p>
-            <a:pPr indent="0" lvl="0" marL="0" rtl="0" algn="ctr">
-              <a:lnSpc>
-                <a:spcPct val="115000"/>
-              </a:lnSpc>
-              <a:spcBef>
-                <a:spcPts val="0"/>
-              </a:spcBef>
-              <a:spcAft>
-                <a:spcPts val="1200"/>
-              </a:spcAft>
-              <a:buSzPts val="990"/>
+            <a:pPr indent="0" lvl="0" marL="0" rtl="0" algn="l">
+              <a:spcBef>
+                <a:spcPts val="0"/>
+              </a:spcBef>
+              <a:spcAft>
+                <a:spcPts val="0"/>
+              </a:spcAft>
               <a:buNone/>
             </a:pPr>
             <a:r>
-              <a:rPr lang="en" sz="4020"/>
-              <a:t>How does</a:t>
+              <a:rPr lang="en" sz="1800">
+                <a:solidFill>
+                  <a:schemeClr val="lt1"/>
+                </a:solidFill>
+                <a:latin typeface="Roboto Slab"/>
+                <a:ea typeface="Roboto Slab"/>
+                <a:cs typeface="Roboto Slab"/>
+                <a:sym typeface="Roboto Slab"/>
+              </a:rPr>
+              <a:t>Poverty Rate:</a:t>
             </a:r>
+            <a:endParaRPr sz="1800">
+              <a:solidFill>
+                <a:schemeClr val="lt1"/>
+              </a:solidFill>
+              <a:latin typeface="Roboto Slab"/>
+              <a:ea typeface="Roboto Slab"/>
+              <a:cs typeface="Roboto Slab"/>
+              <a:sym typeface="Roboto Slab"/>
+            </a:endParaRPr>
+          </a:p>
+          <a:p>
+            <a:pPr indent="0" lvl="0" marL="0" rtl="0" algn="l">
+              <a:spcBef>
+                <a:spcPts val="0"/>
+              </a:spcBef>
+              <a:spcAft>
+                <a:spcPts val="0"/>
+              </a:spcAft>
+              <a:buNone/>
+            </a:pPr>
             <a:r>
-              <a:rPr lang="en" sz="4020"/>
-              <a:t> poverty rate affect access to foods?</a:t>
-            </a:r>
-            <a:endParaRPr sz="6719"/>
-          </a:p>
-        </p:txBody>
-      </p:sp>
-      <p:grpSp>
-        <p:nvGrpSpPr>
-          <p:cNvPr id="84" name="Google Shape;84;p15"/>
-          <p:cNvGrpSpPr/>
-          <p:nvPr/>
-        </p:nvGrpSpPr>
-        <p:grpSpPr>
-          <a:xfrm>
-            <a:off x="7709557" y="4010204"/>
-            <a:ext cx="1434443" cy="1133303"/>
-            <a:chOff x="6391532" y="1867629"/>
-            <a:chExt cx="1434443" cy="1133303"/>
-          </a:xfrm>
-        </p:grpSpPr>
-        <p:pic>
-          <p:nvPicPr>
-            <p:cNvPr id="85" name="Google Shape;85;p15"/>
-            <p:cNvPicPr preferRelativeResize="0"/>
-            <p:nvPr/>
-          </p:nvPicPr>
-          <p:blipFill rotWithShape="1">
-            <a:blip r:embed="rId3">
-              <a:alphaModFix/>
-            </a:blip>
-            <a:srcRect b="0" l="0" r="54170" t="0"/>
-            <a:stretch/>
-          </p:blipFill>
-          <p:spPr>
-            <a:xfrm>
-              <a:off x="6391532" y="1867629"/>
-              <a:ext cx="1406993" cy="1133303"/>
-            </a:xfrm>
-            <a:prstGeom prst="rect">
-              <a:avLst/>
-            </a:prstGeom>
-            <a:noFill/>
-            <a:ln>
-              <a:noFill/>
-            </a:ln>
-            <a:effectLst>
-              <a:outerShdw blurRad="57150" rotWithShape="0" algn="bl" dir="5400000" dist="19050">
-                <a:srgbClr val="000000">
-                  <a:alpha val="50000"/>
-                </a:srgbClr>
-              </a:outerShdw>
-            </a:effectLst>
-          </p:spPr>
-        </p:pic>
-        <p:sp>
-          <p:nvSpPr>
-            <p:cNvPr id="86" name="Google Shape;86;p15"/>
-            <p:cNvSpPr/>
-            <p:nvPr/>
-          </p:nvSpPr>
-          <p:spPr>
-            <a:xfrm>
-              <a:off x="7204946" y="2271258"/>
-              <a:ext cx="621029" cy="494003"/>
-            </a:xfrm>
-            <a:prstGeom prst="rect">
-              <a:avLst/>
-            </a:prstGeom>
-            <a:solidFill>
-              <a:schemeClr val="lt1"/>
-            </a:solidFill>
-            <a:ln>
-              <a:noFill/>
-            </a:ln>
-          </p:spPr>
-          <p:txBody>
-            <a:bodyPr anchorCtr="0" anchor="ctr" bIns="91425" lIns="91425" spcFirstLastPara="1" rIns="91425" wrap="square" tIns="91425">
-              <a:noAutofit/>
-            </a:bodyPr>
-            <a:lstStyle/>
-            <a:p>
-              <a:pPr indent="0" lvl="0" marL="0" rtl="0" algn="ctr">
-                <a:spcBef>
-                  <a:spcPts val="0"/>
-                </a:spcBef>
-                <a:spcAft>
-                  <a:spcPts val="0"/>
-                </a:spcAft>
-                <a:buNone/>
-              </a:pPr>
-              <a:r>
-                <a:t/>
-              </a:r>
-              <a:endParaRPr>
+              <a:rPr lang="en" sz="1200">
+                <a:solidFill>
+                  <a:schemeClr val="lt1"/>
+                </a:solidFill>
+                <a:highlight>
+                  <a:srgbClr val="FFFFFF"/>
+                </a:highlight>
                 <a:latin typeface="Roboto"/>
                 <a:ea typeface="Roboto"/>
                 <a:cs typeface="Roboto"/>
                 <a:sym typeface="Roboto"/>
-              </a:endParaRPr>
-            </a:p>
-          </p:txBody>
-        </p:sp>
-      </p:grpSp>
+              </a:rPr>
+              <a:t>Low-income is defined as annual family income of less than or equal to 200 percent of the Federal poverty threshold based on family size.</a:t>
+            </a:r>
+            <a:endParaRPr sz="1200">
+              <a:solidFill>
+                <a:schemeClr val="lt1"/>
+              </a:solidFill>
+              <a:highlight>
+                <a:srgbClr val="FFFFFF"/>
+              </a:highlight>
+              <a:latin typeface="Roboto"/>
+              <a:ea typeface="Roboto"/>
+              <a:cs typeface="Roboto"/>
+              <a:sym typeface="Roboto"/>
+            </a:endParaRPr>
+          </a:p>
+        </p:txBody>
+      </p:sp>
+      <p:pic>
+        <p:nvPicPr>
+          <p:cNvPr id="86" name="Google Shape;86;p15"/>
+          <p:cNvPicPr preferRelativeResize="0"/>
+          <p:nvPr/>
+        </p:nvPicPr>
+        <p:blipFill>
+          <a:blip r:embed="rId3">
+            <a:alphaModFix/>
+          </a:blip>
+          <a:stretch>
+            <a:fillRect/>
+          </a:stretch>
+        </p:blipFill>
+        <p:spPr>
+          <a:xfrm>
+            <a:off x="3532319" y="1407100"/>
+            <a:ext cx="4441356" cy="3023574"/>
+          </a:xfrm>
+          <a:prstGeom prst="rect">
+            <a:avLst/>
+          </a:prstGeom>
+          <a:noFill/>
+          <a:ln>
+            <a:noFill/>
+          </a:ln>
+        </p:spPr>
+      </p:pic>
     </p:spTree>
   </p:cSld>
   <p:clrMapOvr>
@@ -11009,280 +11220,6 @@
                   <a:schemeClr val="lt1"/>
                 </a:solidFill>
               </a:rPr>
-              <a:t>Poverty Rate</a:t>
-            </a:r>
-            <a:endParaRPr>
-              <a:solidFill>
-                <a:schemeClr val="lt1"/>
-              </a:solidFill>
-            </a:endParaRPr>
-          </a:p>
-        </p:txBody>
-      </p:sp>
-      <p:sp>
-        <p:nvSpPr>
-          <p:cNvPr id="92" name="Google Shape;92;p16"/>
-          <p:cNvSpPr txBox="1"/>
-          <p:nvPr>
-            <p:ph idx="1" type="body"/>
-          </p:nvPr>
-        </p:nvSpPr>
-        <p:spPr>
-          <a:xfrm>
-            <a:off x="387900" y="1351250"/>
-            <a:ext cx="8368200" cy="3217500"/>
-          </a:xfrm>
-          <a:prstGeom prst="rect">
-            <a:avLst/>
-          </a:prstGeom>
-        </p:spPr>
-        <p:txBody>
-          <a:bodyPr anchorCtr="0" anchor="t" bIns="91425" lIns="91425" spcFirstLastPara="1" rIns="91425" wrap="square" tIns="91425">
-            <a:normAutofit/>
-          </a:bodyPr>
-          <a:lstStyle/>
-          <a:p>
-            <a:pPr indent="0" lvl="0" marL="0" rtl="0" algn="l">
-              <a:lnSpc>
-                <a:spcPct val="95000"/>
-              </a:lnSpc>
-              <a:spcBef>
-                <a:spcPts val="0"/>
-              </a:spcBef>
-              <a:spcAft>
-                <a:spcPts val="0"/>
-              </a:spcAft>
-              <a:buClr>
-                <a:schemeClr val="dk1"/>
-              </a:buClr>
-              <a:buSzPts val="1018"/>
-              <a:buFont typeface="Arial"/>
-              <a:buNone/>
-            </a:pPr>
-            <a:r>
-              <a:t/>
-            </a:r>
-            <a:endParaRPr sz="1895">
-              <a:solidFill>
-                <a:schemeClr val="lt1"/>
-              </a:solidFill>
-            </a:endParaRPr>
-          </a:p>
-          <a:p>
-            <a:pPr indent="0" lvl="0" marL="0" rtl="0" algn="l">
-              <a:lnSpc>
-                <a:spcPct val="95000"/>
-              </a:lnSpc>
-              <a:spcBef>
-                <a:spcPts val="1200"/>
-              </a:spcBef>
-              <a:spcAft>
-                <a:spcPts val="1200"/>
-              </a:spcAft>
-              <a:buSzPts val="1018"/>
-              <a:buNone/>
-            </a:pPr>
-            <a:r>
-              <a:t/>
-            </a:r>
-            <a:endParaRPr sz="1229"/>
-          </a:p>
-        </p:txBody>
-      </p:sp>
-      <p:sp>
-        <p:nvSpPr>
-          <p:cNvPr id="93" name="Google Shape;93;p16"/>
-          <p:cNvSpPr txBox="1"/>
-          <p:nvPr/>
-        </p:nvSpPr>
-        <p:spPr>
-          <a:xfrm>
-            <a:off x="489500" y="1643678"/>
-            <a:ext cx="3104700" cy="2844300"/>
-          </a:xfrm>
-          <a:prstGeom prst="rect">
-            <a:avLst/>
-          </a:prstGeom>
-          <a:noFill/>
-          <a:ln>
-            <a:noFill/>
-          </a:ln>
-        </p:spPr>
-        <p:txBody>
-          <a:bodyPr anchorCtr="0" anchor="t" bIns="91425" lIns="91425" spcFirstLastPara="1" rIns="91425" wrap="square" tIns="91425">
-            <a:noAutofit/>
-          </a:bodyPr>
-          <a:lstStyle/>
-          <a:p>
-            <a:pPr indent="0" lvl="0" marL="0" rtl="0" algn="l">
-              <a:spcBef>
-                <a:spcPts val="0"/>
-              </a:spcBef>
-              <a:spcAft>
-                <a:spcPts val="0"/>
-              </a:spcAft>
-              <a:buNone/>
-            </a:pPr>
-            <a:r>
-              <a:rPr lang="en" sz="1800">
-                <a:solidFill>
-                  <a:schemeClr val="lt1"/>
-                </a:solidFill>
-                <a:latin typeface="Roboto Slab"/>
-                <a:ea typeface="Roboto Slab"/>
-                <a:cs typeface="Roboto Slab"/>
-                <a:sym typeface="Roboto Slab"/>
-              </a:rPr>
-              <a:t>Poverty Rate:</a:t>
-            </a:r>
-            <a:endParaRPr sz="1800">
-              <a:solidFill>
-                <a:schemeClr val="lt1"/>
-              </a:solidFill>
-              <a:latin typeface="Roboto Slab"/>
-              <a:ea typeface="Roboto Slab"/>
-              <a:cs typeface="Roboto Slab"/>
-              <a:sym typeface="Roboto Slab"/>
-            </a:endParaRPr>
-          </a:p>
-          <a:p>
-            <a:pPr indent="0" lvl="0" marL="0" rtl="0" algn="l">
-              <a:spcBef>
-                <a:spcPts val="0"/>
-              </a:spcBef>
-              <a:spcAft>
-                <a:spcPts val="0"/>
-              </a:spcAft>
-              <a:buNone/>
-            </a:pPr>
-            <a:r>
-              <a:rPr lang="en" sz="1200">
-                <a:solidFill>
-                  <a:schemeClr val="lt1"/>
-                </a:solidFill>
-                <a:highlight>
-                  <a:srgbClr val="FFFFFF"/>
-                </a:highlight>
-                <a:latin typeface="Roboto"/>
-                <a:ea typeface="Roboto"/>
-                <a:cs typeface="Roboto"/>
-                <a:sym typeface="Roboto"/>
-              </a:rPr>
-              <a:t>Low-income is defined as annual family income of less than or equal to 200 percent of the Federal poverty threshold based on family size.</a:t>
-            </a:r>
-            <a:endParaRPr sz="1200">
-              <a:solidFill>
-                <a:schemeClr val="lt1"/>
-              </a:solidFill>
-              <a:highlight>
-                <a:srgbClr val="FFFFFF"/>
-              </a:highlight>
-              <a:latin typeface="Roboto"/>
-              <a:ea typeface="Roboto"/>
-              <a:cs typeface="Roboto"/>
-              <a:sym typeface="Roboto"/>
-            </a:endParaRPr>
-          </a:p>
-        </p:txBody>
-      </p:sp>
-      <p:pic>
-        <p:nvPicPr>
-          <p:cNvPr id="94" name="Google Shape;94;p16"/>
-          <p:cNvPicPr preferRelativeResize="0"/>
-          <p:nvPr/>
-        </p:nvPicPr>
-        <p:blipFill>
-          <a:blip r:embed="rId3">
-            <a:alphaModFix/>
-          </a:blip>
-          <a:stretch>
-            <a:fillRect/>
-          </a:stretch>
-        </p:blipFill>
-        <p:spPr>
-          <a:xfrm>
-            <a:off x="3532319" y="1407100"/>
-            <a:ext cx="4441356" cy="3023574"/>
-          </a:xfrm>
-          <a:prstGeom prst="rect">
-            <a:avLst/>
-          </a:prstGeom>
-          <a:noFill/>
-          <a:ln>
-            <a:noFill/>
-          </a:ln>
-        </p:spPr>
-      </p:pic>
-    </p:spTree>
-  </p:cSld>
-  <p:clrMapOvr>
-    <a:masterClrMapping/>
-  </p:clrMapOvr>
-</p:sld>
-</file>
-
-<file path=ppt/slides/slide5.xml><?xml version="1.0" encoding="utf-8"?>
-<p:sld xmlns:a="http://schemas.openxmlformats.org/drawingml/2006/main" xmlns:r="http://schemas.openxmlformats.org/officeDocument/2006/relationships" xmlns:mc="http://schemas.openxmlformats.org/markup-compatibility/2006" xmlns:mv="urn:schemas-microsoft-com:mac:vml" xmlns:p="http://schemas.openxmlformats.org/presentationml/2006/main" xmlns:c="http://schemas.openxmlformats.org/drawingml/2006/chart" xmlns:dgm="http://schemas.openxmlformats.org/drawingml/2006/diagram" xmlns:o="urn:schemas-microsoft-com:office:office" xmlns:v="urn:schemas-microsoft-com:vml" xmlns:pvml="urn:schemas-microsoft-com:office:powerpoint" xmlns:com="http://schemas.openxmlformats.org/drawingml/2006/compatibility" xmlns:p14="http://schemas.microsoft.com/office/powerpoint/2010/main" xmlns:p15="http://schemas.microsoft.com/office/powerpoint/2012/main" xmlns:ahyp="http://schemas.microsoft.com/office/drawing/2018/hyperlinkcolor">
-  <p:cSld>
-    <p:bg>
-      <p:bgPr>
-        <a:solidFill>
-          <a:schemeClr val="dk1"/>
-        </a:solidFill>
-      </p:bgPr>
-    </p:bg>
-    <p:spTree>
-      <p:nvGrpSpPr>
-        <p:cNvPr id="98" name="Shape 98"/>
-        <p:cNvGrpSpPr/>
-        <p:nvPr/>
-      </p:nvGrpSpPr>
-      <p:grpSpPr>
-        <a:xfrm>
-          <a:off x="0" y="0"/>
-          <a:ext cx="0" cy="0"/>
-          <a:chOff x="0" y="0"/>
-          <a:chExt cx="0" cy="0"/>
-        </a:xfrm>
-      </p:grpSpPr>
-      <p:sp>
-        <p:nvSpPr>
-          <p:cNvPr id="99" name="Google Shape;99;p17"/>
-          <p:cNvSpPr txBox="1"/>
-          <p:nvPr>
-            <p:ph type="title"/>
-          </p:nvPr>
-        </p:nvSpPr>
-        <p:spPr>
-          <a:xfrm>
-            <a:off x="387900" y="458025"/>
-            <a:ext cx="8368200" cy="686100"/>
-          </a:xfrm>
-          <a:prstGeom prst="rect">
-            <a:avLst/>
-          </a:prstGeom>
-        </p:spPr>
-        <p:txBody>
-          <a:bodyPr anchorCtr="0" anchor="b" bIns="91425" lIns="91425" spcFirstLastPara="1" rIns="91425" wrap="square" tIns="91425">
-            <a:normAutofit/>
-          </a:bodyPr>
-          <a:lstStyle/>
-          <a:p>
-            <a:pPr indent="0" lvl="0" marL="0" rtl="0" algn="l">
-              <a:spcBef>
-                <a:spcPts val="0"/>
-              </a:spcBef>
-              <a:spcAft>
-                <a:spcPts val="0"/>
-              </a:spcAft>
-              <a:buNone/>
-            </a:pPr>
-            <a:r>
-              <a:rPr lang="en">
-                <a:solidFill>
-                  <a:schemeClr val="lt1"/>
-                </a:solidFill>
-              </a:rPr>
               <a:t>Summary</a:t>
             </a:r>
             <a:r>
@@ -11303,7 +11240,7 @@
       </p:sp>
       <p:sp>
         <p:nvSpPr>
-          <p:cNvPr id="100" name="Google Shape;100;p17"/>
+          <p:cNvPr id="92" name="Google Shape;92;p16"/>
           <p:cNvSpPr txBox="1"/>
           <p:nvPr>
             <p:ph idx="1" type="body"/>
@@ -11408,7 +11345,7 @@
       </p:sp>
       <p:pic>
         <p:nvPicPr>
-          <p:cNvPr id="101" name="Google Shape;101;p17"/>
+          <p:cNvPr id="93" name="Google Shape;93;p16"/>
           <p:cNvPicPr preferRelativeResize="0"/>
           <p:nvPr/>
         </p:nvPicPr>
@@ -11434,6 +11371,176 @@
           </a:ln>
         </p:spPr>
       </p:pic>
+    </p:spTree>
+  </p:cSld>
+  <p:clrMapOvr>
+    <a:masterClrMapping/>
+  </p:clrMapOvr>
+</p:sld>
+</file>
+
+<file path=ppt/slides/slide5.xml><?xml version="1.0" encoding="utf-8"?>
+<p:sld xmlns:a="http://schemas.openxmlformats.org/drawingml/2006/main" xmlns:r="http://schemas.openxmlformats.org/officeDocument/2006/relationships" xmlns:mc="http://schemas.openxmlformats.org/markup-compatibility/2006" xmlns:mv="urn:schemas-microsoft-com:mac:vml" xmlns:p="http://schemas.openxmlformats.org/presentationml/2006/main" xmlns:c="http://schemas.openxmlformats.org/drawingml/2006/chart" xmlns:dgm="http://schemas.openxmlformats.org/drawingml/2006/diagram" xmlns:o="urn:schemas-microsoft-com:office:office" xmlns:v="urn:schemas-microsoft-com:vml" xmlns:pvml="urn:schemas-microsoft-com:office:powerpoint" xmlns:com="http://schemas.openxmlformats.org/drawingml/2006/compatibility" xmlns:p14="http://schemas.microsoft.com/office/powerpoint/2010/main" xmlns:p15="http://schemas.microsoft.com/office/powerpoint/2012/main" xmlns:ahyp="http://schemas.microsoft.com/office/drawing/2018/hyperlinkcolor">
+  <p:cSld>
+    <p:spTree>
+      <p:nvGrpSpPr>
+        <p:cNvPr id="97" name="Shape 97"/>
+        <p:cNvGrpSpPr/>
+        <p:nvPr/>
+      </p:nvGrpSpPr>
+      <p:grpSpPr>
+        <a:xfrm>
+          <a:off x="0" y="0"/>
+          <a:ext cx="0" cy="0"/>
+          <a:chOff x="0" y="0"/>
+          <a:chExt cx="0" cy="0"/>
+        </a:xfrm>
+      </p:grpSpPr>
+      <p:sp>
+        <p:nvSpPr>
+          <p:cNvPr id="98" name="Google Shape;98;p17"/>
+          <p:cNvSpPr txBox="1"/>
+          <p:nvPr>
+            <p:ph type="title"/>
+          </p:nvPr>
+        </p:nvSpPr>
+        <p:spPr>
+          <a:xfrm>
+            <a:off x="896125" y="787800"/>
+            <a:ext cx="8034600" cy="1891800"/>
+          </a:xfrm>
+          <a:prstGeom prst="rect">
+            <a:avLst/>
+          </a:prstGeom>
+        </p:spPr>
+        <p:txBody>
+          <a:bodyPr anchorCtr="0" anchor="b" bIns="91425" lIns="91425" spcFirstLastPara="1" rIns="91425" wrap="square" tIns="91425">
+            <a:noAutofit/>
+          </a:bodyPr>
+          <a:lstStyle/>
+          <a:p>
+            <a:pPr indent="0" lvl="0" marL="0" rtl="0" algn="ctr">
+              <a:lnSpc>
+                <a:spcPct val="115000"/>
+              </a:lnSpc>
+              <a:spcBef>
+                <a:spcPts val="0"/>
+              </a:spcBef>
+              <a:spcAft>
+                <a:spcPts val="1200"/>
+              </a:spcAft>
+              <a:buSzPts val="990"/>
+              <a:buNone/>
+            </a:pPr>
+            <a:r>
+              <a:rPr lang="en" sz="4020"/>
+              <a:t>How does</a:t>
+            </a:r>
+            <a:r>
+              <a:rPr lang="en" sz="4020"/>
+              <a:t> poverty rate affect access to foods?</a:t>
+            </a:r>
+            <a:endParaRPr sz="6719"/>
+          </a:p>
+        </p:txBody>
+      </p:sp>
+      <p:grpSp>
+        <p:nvGrpSpPr>
+          <p:cNvPr id="99" name="Google Shape;99;p17"/>
+          <p:cNvGrpSpPr/>
+          <p:nvPr/>
+        </p:nvGrpSpPr>
+        <p:grpSpPr>
+          <a:xfrm>
+            <a:off x="7709557" y="4010204"/>
+            <a:ext cx="1434443" cy="1133303"/>
+            <a:chOff x="6391532" y="1867629"/>
+            <a:chExt cx="1434443" cy="1133303"/>
+          </a:xfrm>
+        </p:grpSpPr>
+        <p:pic>
+          <p:nvPicPr>
+            <p:cNvPr id="100" name="Google Shape;100;p17"/>
+            <p:cNvPicPr preferRelativeResize="0"/>
+            <p:nvPr/>
+          </p:nvPicPr>
+          <p:blipFill rotWithShape="1">
+            <a:blip r:embed="rId3">
+              <a:alphaModFix/>
+            </a:blip>
+            <a:srcRect b="0" l="0" r="54170" t="0"/>
+            <a:stretch/>
+          </p:blipFill>
+          <p:spPr>
+            <a:xfrm>
+              <a:off x="6391532" y="1867629"/>
+              <a:ext cx="1406993" cy="1133303"/>
+            </a:xfrm>
+            <a:prstGeom prst="rect">
+              <a:avLst/>
+            </a:prstGeom>
+            <a:noFill/>
+            <a:ln>
+              <a:noFill/>
+            </a:ln>
+            <a:effectLst>
+              <a:outerShdw blurRad="57150" rotWithShape="0" algn="bl" dir="5400000" dist="19050">
+                <a:srgbClr val="000000">
+                  <a:alpha val="50000"/>
+                </a:srgbClr>
+              </a:outerShdw>
+            </a:effectLst>
+          </p:spPr>
+        </p:pic>
+        <p:sp>
+          <p:nvSpPr>
+            <p:cNvPr id="101" name="Google Shape;101;p17"/>
+            <p:cNvSpPr/>
+            <p:nvPr/>
+          </p:nvSpPr>
+          <p:spPr>
+            <a:xfrm>
+              <a:off x="7204946" y="2271258"/>
+              <a:ext cx="621029" cy="494003"/>
+            </a:xfrm>
+            <a:prstGeom prst="rect">
+              <a:avLst/>
+            </a:prstGeom>
+            <a:solidFill>
+              <a:schemeClr val="lt1"/>
+            </a:solidFill>
+            <a:ln>
+              <a:noFill/>
+            </a:ln>
+          </p:spPr>
+          <p:txBody>
+            <a:bodyPr anchorCtr="0" anchor="ctr" bIns="91425" lIns="91425" spcFirstLastPara="1" rIns="91425" wrap="square" tIns="91425">
+              <a:noAutofit/>
+            </a:bodyPr>
+            <a:lstStyle/>
+            <a:p>
+              <a:pPr indent="0" lvl="0" marL="0" rtl="0" algn="ctr">
+                <a:spcBef>
+                  <a:spcPts val="0"/>
+                </a:spcBef>
+                <a:spcAft>
+                  <a:spcPts val="0"/>
+                </a:spcAft>
+                <a:buNone/>
+              </a:pPr>
+              <a:r>
+                <a:t/>
+              </a:r>
+              <a:endParaRPr>
+                <a:latin typeface="Roboto"/>
+                <a:ea typeface="Roboto"/>
+                <a:cs typeface="Roboto"/>
+                <a:sym typeface="Roboto"/>
+              </a:endParaRPr>
+            </a:p>
+          </p:txBody>
+        </p:sp>
+      </p:grpSp>
     </p:spTree>
   </p:cSld>
   <p:clrMapOvr>

--- a/Final Data Analysis/Food Access in Georgia.pptx
+++ b/Final Data Analysis/Food Access in Georgia.pptx
@@ -1455,7 +1455,7 @@
             </a:pPr>
             <a:r>
               <a:rPr lang="en"/>
-              <a:t>To identify if health outcomes are affected by poverty rate, w</a:t>
+              <a:t>To identify if health outcomes are affected by poverty rate, we looked at the rate of diabetes within each county. Diabetes is a chronic disease that affects the pancreas’s ability to produce the hormone insulin. Insulin helps regulate the glucose level in the blood. The risk factors for developing type 2 diabetes are family history of diabetes, obesity, a sedentary lifestyle, poor diet, and certain ethnicities are all associated with a higher risk of developing type 2. W</a:t>
             </a:r>
             <a:r>
               <a:rPr lang="en"/>
@@ -1494,12 +1494,7 @@
               <a:buNone/>
             </a:pPr>
             <a:r>
-              <a:rPr lang="en">
-                <a:solidFill>
-                  <a:schemeClr val="dk1"/>
-                </a:solidFill>
-              </a:rPr>
-              <a:t>We then compared the diabetes rate to median household income for all counties to see if there was a weak correlation between these two factors. Median Household income was defined by the USDA Food Access Atlas was based on the distribution of family income, which also included families with no income. As a reminder, the median household income for the state of Georgia is around 42K and as you can see is where a majority of the counties fall within the graph. In our analysis we found an R-squared value of .21 which indicates a very weak correlation  between the two variables. Although these two variables do not have a strong correlation, in future analysis, we believe that data showing diabetes rates over time by county would support the theory of access to healthy foods can be affected by the financial demographics of a counties population. </a:t>
+              <a:t/>
             </a:r>
             <a:endParaRPr/>
           </a:p>
@@ -1825,8 +1820,12 @@
               <a:buNone/>
             </a:pPr>
             <a:r>
-              <a:rPr lang="en"/>
-              <a:t>Discuss first paragraph </a:t>
+              <a:rPr lang="en">
+                <a:solidFill>
+                  <a:schemeClr val="dk1"/>
+                </a:solidFill>
+              </a:rPr>
+              <a:t>With more information, we do believe we could further prove our hypothesis that income negatively affects food access, and show that low income and low food access together influence negative health outcomes like diabetes.</a:t>
             </a:r>
             <a:endParaRPr/>
           </a:p>
@@ -1856,11 +1855,6 @@
               <a:spcAft>
                 <a:spcPts val="0"/>
               </a:spcAft>
-              <a:buClr>
-                <a:schemeClr val="dk1"/>
-              </a:buClr>
-              <a:buSzPts val="1100"/>
-              <a:buFont typeface="Arial"/>
               <a:buNone/>
             </a:pPr>
             <a:r>
@@ -1879,10 +1873,6 @@
               <a:solidFill>
                 <a:schemeClr val="dk1"/>
               </a:solidFill>
-              <a:latin typeface="Roboto"/>
-              <a:ea typeface="Roboto"/>
-              <a:cs typeface="Roboto"/>
-              <a:sym typeface="Roboto"/>
             </a:endParaRPr>
           </a:p>
           <a:p>
@@ -2407,7 +2397,23 @@
             </a:pPr>
             <a:r>
               <a:rPr lang="en"/>
-              <a:t>Connor</a:t>
+              <a:t>Connor </a:t>
+            </a:r>
+            <a:endParaRPr/>
+          </a:p>
+          <a:p>
+            <a:pPr indent="0" lvl="0" marL="0" rtl="0" algn="l">
+              <a:spcBef>
+                <a:spcPts val="0"/>
+              </a:spcBef>
+              <a:spcAft>
+                <a:spcPts val="0"/>
+              </a:spcAft>
+              <a:buNone/>
+            </a:pPr>
+            <a:r>
+              <a:rPr lang="en"/>
+              <a:t>So now i’ll go through some information about food access in georgia </a:t>
             </a:r>
             <a:endParaRPr/>
           </a:p>
@@ -2523,7 +2529,7 @@
             </a:r>
             <a:r>
               <a:rPr lang="en"/>
-              <a:t> on the 5 counties with the highest poverty rate and the 5 counties with the lowest poverty rate. The USDA website defines each of the 3 categories as follows: Grocery stores (green) are classified as establishments that report at least $2 million annually, and stock fresh meat, </a:t>
+              <a:t> on the 5 counties with the highest poverty rate and the 5 counties with the lowest poverty rate. The USDA website defines each of the 3 categories as follows: Grocery stores (green) are classified as establishments that report at least $2 million annual revenue, and stock fresh meat, </a:t>
             </a:r>
             <a:r>
               <a:rPr lang="en"/>
@@ -2558,7 +2564,7 @@
             </a:pPr>
             <a:r>
               <a:rPr lang="en"/>
-              <a:t>Now that we understand how the USDA defines our access point variables, we can make more sense out of the visualizations. As previously stated, we’re focusing today on access points (counts/availability) vs access itself. We can see that in the lowest poverty rate counties, and in Clark County (one of the highest poverty counties), fast food establishments vastly outnumber grocery stores and convenience stores. The next most prevalent access point type are convenience stores– and we can see that the trend is consistent between the highest and lowest poverty counties. Convenience stores outnumber grocery stores in each county we sampled, no matter the poverty rate. Grocery stores have the lowest numbers in both visualizations, with Forsyth county at 36 and Stewart, Wheeler, and Calhoun each having just one (well below the average number of 11). </a:t>
+              <a:t>Now that we understand how the USDA defines our access point variables, we can make more sense out of the visualizations. As previously stated, we’re focusing today on access points (as availability) vs access itself. We can see that in the lowest poverty rate counties, and in Clark County (one of the highest poverty counties), fast food establishments vastly outnumber grocery stores and convenience stores. The next most prevalent access point type are convenience stores– and we can see that the trend is consistent between the highest and lowest poverty counties. Convenience stores outnumber grocery stores in each county we sampled, no matter the poverty rate. Grocery stores have the lowest numbers in both visualizations, with Forsyth county at 36 and Stewart, Wheeler, and Calhoun each having just one (well below the average number of 11). This is a clear illustration of the disparity in food access points across Georgia’s counties.</a:t>
             </a:r>
             <a:endParaRPr/>
           </a:p>
@@ -9229,7 +9235,7 @@
             </a:pPr>
             <a:r>
               <a:rPr lang="en" sz="4020"/>
-              <a:t>How do poverty &amp; income affect diabetes rates? </a:t>
+              <a:t>How does poverty &amp; income affect diabetes rates? </a:t>
             </a:r>
             <a:endParaRPr sz="4020"/>
           </a:p>
@@ -9992,7 +9998,7 @@
             </a:pPr>
             <a:r>
               <a:rPr lang="en"/>
-              <a:t>Based on the data we recovered, we were able reject the null hypothesis. It does appear that as poverty rates increase, access to healthy food decreases. Additionally, it appears that as poverty rates increase, diabetes rates also increase. That being said, although the visualizations display clear trends in the relationship of health and income, the statistical significance of that data was too weak to determine correlation.</a:t>
+              <a:t>Based on the data we recovered, we were able reject the null hypothesis. Our data shows that as poverty rates increase, access to healthy food decreases. Additionally, it appears that as poverty rates increase, diabetes rates also increase. That being said, although the visualizations display clear trends in the relationship of health and income, the statistical significance of that data was too weak to determine correlation.</a:t>
             </a:r>
             <a:endParaRPr/>
           </a:p>
@@ -10008,7 +10014,7 @@
             </a:pPr>
             <a:r>
               <a:rPr lang="en"/>
-              <a:t>Clarke County is a potential outlier in our data, because although it is among the highest poverty rate counties in Georgia, the population has similar food access to counties with the lowest poverty rates. </a:t>
+              <a:t>Clarke County is a potential outlier in our data, because although it is among the highest poverty rate counties in Georgia, the population has similar food access to counties with the lowest poverty rates. It also boasts one of the lowest diabetes rates in the state.</a:t>
             </a:r>
             <a:endParaRPr/>
           </a:p>
@@ -10207,7 +10213,7 @@
             <a:tbl>
               <a:tblPr>
                 <a:noFill/>
-                <a:tableStyleId>{E3A1971C-CDAA-4157-9AC3-DE15B16A67AB}</a:tableStyleId>
+                <a:tableStyleId>{574B1B90-4870-4424-B689-6A99D8C70B02}</a:tableStyleId>
               </a:tblPr>
               <a:tblGrid>
                 <a:gridCol w="1524000"/>
@@ -11628,7 +11634,7 @@
         </p:blipFill>
         <p:spPr>
           <a:xfrm>
-            <a:off x="5519000" y="564475"/>
+            <a:off x="5442800" y="564475"/>
             <a:ext cx="3658175" cy="2504775"/>
           </a:xfrm>
           <a:prstGeom prst="rect">
@@ -12535,6 +12541,285 @@
 </file>
 
 <file path=ppt/theme/theme1.xml><?xml version="1.0" encoding="utf-8"?>
+<a:theme xmlns:a="http://schemas.openxmlformats.org/drawingml/2006/main" xmlns:r="http://schemas.openxmlformats.org/officeDocument/2006/relationships" name="Marina">
+  <a:themeElements>
+    <a:clrScheme name="Marina">
+      <a:dk1>
+        <a:srgbClr val="FFFFFF"/>
+      </a:dk1>
+      <a:lt1>
+        <a:srgbClr val="00517C"/>
+      </a:lt1>
+      <a:dk2>
+        <a:srgbClr val="004065"/>
+      </a:dk2>
+      <a:lt2>
+        <a:srgbClr val="CFD8DC"/>
+      </a:lt2>
+      <a:accent1>
+        <a:srgbClr val="0277BD"/>
+      </a:accent1>
+      <a:accent2>
+        <a:srgbClr val="558B2F"/>
+      </a:accent2>
+      <a:accent3>
+        <a:srgbClr val="009688"/>
+      </a:accent3>
+      <a:accent4>
+        <a:srgbClr val="039BE5"/>
+      </a:accent4>
+      <a:accent5>
+        <a:srgbClr val="8BC34A"/>
+      </a:accent5>
+      <a:accent6>
+        <a:srgbClr val="FFEB38"/>
+      </a:accent6>
+      <a:hlink>
+        <a:srgbClr val="8BC34A"/>
+      </a:hlink>
+      <a:folHlink>
+        <a:srgbClr val="8BC34A"/>
+      </a:folHlink>
+    </a:clrScheme>
+    <a:fontScheme name="Office">
+      <a:majorFont>
+        <a:latin typeface="Arial"/>
+        <a:ea typeface=""/>
+        <a:cs typeface=""/>
+        <a:font script="Jpan" typeface="ＭＳ Ｐゴシック"/>
+        <a:font script="Hang" typeface="맑은 고딕"/>
+        <a:font script="Hans" typeface="宋体"/>
+        <a:font script="Hant" typeface="新細明體"/>
+        <a:font script="Arab" typeface="Times New Roman"/>
+        <a:font script="Hebr" typeface="Times New Roman"/>
+        <a:font script="Thai" typeface="Angsana New"/>
+        <a:font script="Ethi" typeface="Nyala"/>
+        <a:font script="Beng" typeface="Vrinda"/>
+        <a:font script="Gujr" typeface="Shruti"/>
+        <a:font script="Khmr" typeface="MoolBoran"/>
+        <a:font script="Knda" typeface="Tunga"/>
+        <a:font script="Guru" typeface="Raavi"/>
+        <a:font script="Cans" typeface="Euphemia"/>
+        <a:font script="Cher" typeface="Plantagenet Cherokee"/>
+        <a:font script="Yiii" typeface="Microsoft Yi Baiti"/>
+        <a:font script="Tibt" typeface="Microsoft Himalaya"/>
+        <a:font script="Thaa" typeface="MV Boli"/>
+        <a:font script="Deva" typeface="Mangal"/>
+        <a:font script="Telu" typeface="Gautami"/>
+        <a:font script="Taml" typeface="Latha"/>
+        <a:font script="Syrc" typeface="Estrangelo Edessa"/>
+        <a:font script="Orya" typeface="Kalinga"/>
+        <a:font script="Mlym" typeface="Kartika"/>
+        <a:font script="Laoo" typeface="DokChampa"/>
+        <a:font script="Sinh" typeface="Iskoola Pota"/>
+        <a:font script="Mong" typeface="Mongolian Baiti"/>
+        <a:font script="Viet" typeface="Times New Roman"/>
+        <a:font script="Uigh" typeface="Microsoft Uighur"/>
+        <a:font script="Geor" typeface="Sylfaen"/>
+      </a:majorFont>
+      <a:minorFont>
+        <a:latin typeface="Arial"/>
+        <a:ea typeface=""/>
+        <a:cs typeface=""/>
+        <a:font script="Jpan" typeface="ＭＳ Ｐゴシック"/>
+        <a:font script="Hang" typeface="맑은 고딕"/>
+        <a:font script="Hans" typeface="宋体"/>
+        <a:font script="Hant" typeface="新細明體"/>
+        <a:font script="Arab" typeface="Arial"/>
+        <a:font script="Hebr" typeface="Arial"/>
+        <a:font script="Thai" typeface="Cordia New"/>
+        <a:font script="Ethi" typeface="Nyala"/>
+        <a:font script="Beng" typeface="Vrinda"/>
+        <a:font script="Gujr" typeface="Shruti"/>
+        <a:font script="Khmr" typeface="DaunPenh"/>
+        <a:font script="Knda" typeface="Tunga"/>
+        <a:font script="Guru" typeface="Raavi"/>
+        <a:font script="Cans" typeface="Euphemia"/>
+        <a:font script="Cher" typeface="Plantagenet Cherokee"/>
+        <a:font script="Yiii" typeface="Microsoft Yi Baiti"/>
+        <a:font script="Tibt" typeface="Microsoft Himalaya"/>
+        <a:font script="Thaa" typeface="MV Boli"/>
+        <a:font script="Deva" typeface="Mangal"/>
+        <a:font script="Telu" typeface="Gautami"/>
+        <a:font script="Taml" typeface="Latha"/>
+        <a:font script="Syrc" typeface="Estrangelo Edessa"/>
+        <a:font script="Orya" typeface="Kalinga"/>
+        <a:font script="Mlym" typeface="Kartika"/>
+        <a:font script="Laoo" typeface="DokChampa"/>
+        <a:font script="Sinh" typeface="Iskoola Pota"/>
+        <a:font script="Mong" typeface="Mongolian Baiti"/>
+        <a:font script="Viet" typeface="Arial"/>
+        <a:font script="Uigh" typeface="Microsoft Uighur"/>
+        <a:font script="Geor" typeface="Sylfaen"/>
+      </a:minorFont>
+    </a:fontScheme>
+    <a:fmtScheme name="Office">
+      <a:fillStyleLst>
+        <a:solidFill>
+          <a:schemeClr val="phClr"/>
+        </a:solidFill>
+        <a:gradFill rotWithShape="1">
+          <a:gsLst>
+            <a:gs pos="0">
+              <a:schemeClr val="phClr">
+                <a:tint val="50000"/>
+                <a:satMod val="300000"/>
+              </a:schemeClr>
+            </a:gs>
+            <a:gs pos="35000">
+              <a:schemeClr val="phClr">
+                <a:tint val="37000"/>
+                <a:satMod val="300000"/>
+              </a:schemeClr>
+            </a:gs>
+            <a:gs pos="100000">
+              <a:schemeClr val="phClr">
+                <a:tint val="15000"/>
+                <a:satMod val="350000"/>
+              </a:schemeClr>
+            </a:gs>
+          </a:gsLst>
+          <a:lin ang="16200000" scaled="1"/>
+        </a:gradFill>
+        <a:gradFill rotWithShape="1">
+          <a:gsLst>
+            <a:gs pos="0">
+              <a:schemeClr val="phClr">
+                <a:tint val="100000"/>
+                <a:shade val="100000"/>
+                <a:satMod val="130000"/>
+              </a:schemeClr>
+            </a:gs>
+            <a:gs pos="100000">
+              <a:schemeClr val="phClr">
+                <a:tint val="50000"/>
+                <a:shade val="100000"/>
+                <a:satMod val="350000"/>
+              </a:schemeClr>
+            </a:gs>
+          </a:gsLst>
+          <a:lin ang="16200000" scaled="0"/>
+        </a:gradFill>
+      </a:fillStyleLst>
+      <a:lnStyleLst>
+        <a:ln w="9525" cap="flat" cmpd="sng" algn="ctr">
+          <a:solidFill>
+            <a:schemeClr val="phClr">
+              <a:shade val="95000"/>
+              <a:satMod val="105000"/>
+            </a:schemeClr>
+          </a:solidFill>
+          <a:prstDash val="solid"/>
+        </a:ln>
+        <a:ln w="25400" cap="flat" cmpd="sng" algn="ctr">
+          <a:solidFill>
+            <a:schemeClr val="phClr"/>
+          </a:solidFill>
+          <a:prstDash val="solid"/>
+        </a:ln>
+        <a:ln w="38100" cap="flat" cmpd="sng" algn="ctr">
+          <a:solidFill>
+            <a:schemeClr val="phClr"/>
+          </a:solidFill>
+          <a:prstDash val="solid"/>
+        </a:ln>
+      </a:lnStyleLst>
+      <a:effectStyleLst>
+        <a:effectStyle>
+          <a:effectLst>
+            <a:outerShdw blurRad="40000" dist="20000" dir="5400000" rotWithShape="0">
+              <a:srgbClr val="000000">
+                <a:alpha val="38000"/>
+              </a:srgbClr>
+            </a:outerShdw>
+          </a:effectLst>
+        </a:effectStyle>
+        <a:effectStyle>
+          <a:effectLst>
+            <a:outerShdw blurRad="40000" dist="23000" dir="5400000" rotWithShape="0">
+              <a:srgbClr val="000000">
+                <a:alpha val="35000"/>
+              </a:srgbClr>
+            </a:outerShdw>
+          </a:effectLst>
+        </a:effectStyle>
+        <a:effectStyle>
+          <a:effectLst>
+            <a:outerShdw blurRad="40000" dist="23000" dir="5400000" rotWithShape="0">
+              <a:srgbClr val="000000">
+                <a:alpha val="35000"/>
+              </a:srgbClr>
+            </a:outerShdw>
+          </a:effectLst>
+          <a:scene3d>
+            <a:camera prst="orthographicFront">
+              <a:rot lat="0" lon="0" rev="0"/>
+            </a:camera>
+            <a:lightRig rig="threePt" dir="t">
+              <a:rot lat="0" lon="0" rev="1200000"/>
+            </a:lightRig>
+          </a:scene3d>
+          <a:sp3d>
+            <a:bevelT w="63500" h="25400"/>
+          </a:sp3d>
+        </a:effectStyle>
+      </a:effectStyleLst>
+      <a:bgFillStyleLst>
+        <a:solidFill>
+          <a:schemeClr val="phClr"/>
+        </a:solidFill>
+        <a:gradFill rotWithShape="1">
+          <a:gsLst>
+            <a:gs pos="0">
+              <a:schemeClr val="phClr">
+                <a:tint val="40000"/>
+                <a:satMod val="350000"/>
+              </a:schemeClr>
+            </a:gs>
+            <a:gs pos="40000">
+              <a:schemeClr val="phClr">
+                <a:tint val="45000"/>
+                <a:shade val="99000"/>
+                <a:satMod val="350000"/>
+              </a:schemeClr>
+            </a:gs>
+            <a:gs pos="100000">
+              <a:schemeClr val="phClr">
+                <a:shade val="20000"/>
+                <a:satMod val="255000"/>
+              </a:schemeClr>
+            </a:gs>
+          </a:gsLst>
+          <a:path path="circle">
+            <a:fillToRect l="50000" t="-80000" r="50000" b="180000"/>
+          </a:path>
+        </a:gradFill>
+        <a:gradFill rotWithShape="1">
+          <a:gsLst>
+            <a:gs pos="0">
+              <a:schemeClr val="phClr">
+                <a:tint val="80000"/>
+                <a:satMod val="300000"/>
+              </a:schemeClr>
+            </a:gs>
+            <a:gs pos="100000">
+              <a:schemeClr val="phClr">
+                <a:shade val="30000"/>
+                <a:satMod val="200000"/>
+              </a:schemeClr>
+            </a:gs>
+          </a:gsLst>
+          <a:path path="circle">
+            <a:fillToRect l="50000" t="50000" r="50000" b="50000"/>
+          </a:path>
+        </a:gradFill>
+      </a:bgFillStyleLst>
+    </a:fmtScheme>
+  </a:themeElements>
+</a:theme>
+</file>
+
+<file path=ppt/theme/theme2.xml><?xml version="1.0" encoding="utf-8"?>
 <a:theme xmlns:a="http://schemas.openxmlformats.org/drawingml/2006/main" xmlns:r="http://schemas.openxmlformats.org/officeDocument/2006/relationships">
   <a:themeElements>
     <a:clrScheme name="Default">
@@ -12811,283 +13096,4 @@
     </a:fmtScheme>
   </a:themeElements>
 </a:theme>
-</file>
-
-<file path=ppt/theme/theme2.xml><?xml version="1.0" encoding="utf-8"?>
-<a:theme xmlns:a="http://schemas.openxmlformats.org/drawingml/2006/main" xmlns:r="http://schemas.openxmlformats.org/officeDocument/2006/relationships" name="Marina">
-  <a:themeElements>
-    <a:clrScheme name="Marina">
-      <a:dk1>
-        <a:srgbClr val="FFFFFF"/>
-      </a:dk1>
-      <a:lt1>
-        <a:srgbClr val="00517C"/>
-      </a:lt1>
-      <a:dk2>
-        <a:srgbClr val="004065"/>
-      </a:dk2>
-      <a:lt2>
-        <a:srgbClr val="CFD8DC"/>
-      </a:lt2>
-      <a:accent1>
-        <a:srgbClr val="0277BD"/>
-      </a:accent1>
-      <a:accent2>
-        <a:srgbClr val="558B2F"/>
-      </a:accent2>
-      <a:accent3>
-        <a:srgbClr val="009688"/>
-      </a:accent3>
-      <a:accent4>
-        <a:srgbClr val="039BE5"/>
-      </a:accent4>
-      <a:accent5>
-        <a:srgbClr val="8BC34A"/>
-      </a:accent5>
-      <a:accent6>
-        <a:srgbClr val="FFEB38"/>
-      </a:accent6>
-      <a:hlink>
-        <a:srgbClr val="8BC34A"/>
-      </a:hlink>
-      <a:folHlink>
-        <a:srgbClr val="8BC34A"/>
-      </a:folHlink>
-    </a:clrScheme>
-    <a:fontScheme name="Office">
-      <a:majorFont>
-        <a:latin typeface="Arial"/>
-        <a:ea typeface=""/>
-        <a:cs typeface=""/>
-        <a:font script="Jpan" typeface="ＭＳ Ｐゴシック"/>
-        <a:font script="Hang" typeface="맑은 고딕"/>
-        <a:font script="Hans" typeface="宋体"/>
-        <a:font script="Hant" typeface="新細明體"/>
-        <a:font script="Arab" typeface="Times New Roman"/>
-        <a:font script="Hebr" typeface="Times New Roman"/>
-        <a:font script="Thai" typeface="Angsana New"/>
-        <a:font script="Ethi" typeface="Nyala"/>
-        <a:font script="Beng" typeface="Vrinda"/>
-        <a:font script="Gujr" typeface="Shruti"/>
-        <a:font script="Khmr" typeface="MoolBoran"/>
-        <a:font script="Knda" typeface="Tunga"/>
-        <a:font script="Guru" typeface="Raavi"/>
-        <a:font script="Cans" typeface="Euphemia"/>
-        <a:font script="Cher" typeface="Plantagenet Cherokee"/>
-        <a:font script="Yiii" typeface="Microsoft Yi Baiti"/>
-        <a:font script="Tibt" typeface="Microsoft Himalaya"/>
-        <a:font script="Thaa" typeface="MV Boli"/>
-        <a:font script="Deva" typeface="Mangal"/>
-        <a:font script="Telu" typeface="Gautami"/>
-        <a:font script="Taml" typeface="Latha"/>
-        <a:font script="Syrc" typeface="Estrangelo Edessa"/>
-        <a:font script="Orya" typeface="Kalinga"/>
-        <a:font script="Mlym" typeface="Kartika"/>
-        <a:font script="Laoo" typeface="DokChampa"/>
-        <a:font script="Sinh" typeface="Iskoola Pota"/>
-        <a:font script="Mong" typeface="Mongolian Baiti"/>
-        <a:font script="Viet" typeface="Times New Roman"/>
-        <a:font script="Uigh" typeface="Microsoft Uighur"/>
-        <a:font script="Geor" typeface="Sylfaen"/>
-      </a:majorFont>
-      <a:minorFont>
-        <a:latin typeface="Arial"/>
-        <a:ea typeface=""/>
-        <a:cs typeface=""/>
-        <a:font script="Jpan" typeface="ＭＳ Ｐゴシック"/>
-        <a:font script="Hang" typeface="맑은 고딕"/>
-        <a:font script="Hans" typeface="宋体"/>
-        <a:font script="Hant" typeface="新細明體"/>
-        <a:font script="Arab" typeface="Arial"/>
-        <a:font script="Hebr" typeface="Arial"/>
-        <a:font script="Thai" typeface="Cordia New"/>
-        <a:font script="Ethi" typeface="Nyala"/>
-        <a:font script="Beng" typeface="Vrinda"/>
-        <a:font script="Gujr" typeface="Shruti"/>
-        <a:font script="Khmr" typeface="DaunPenh"/>
-        <a:font script="Knda" typeface="Tunga"/>
-        <a:font script="Guru" typeface="Raavi"/>
-        <a:font script="Cans" typeface="Euphemia"/>
-        <a:font script="Cher" typeface="Plantagenet Cherokee"/>
-        <a:font script="Yiii" typeface="Microsoft Yi Baiti"/>
-        <a:font script="Tibt" typeface="Microsoft Himalaya"/>
-        <a:font script="Thaa" typeface="MV Boli"/>
-        <a:font script="Deva" typeface="Mangal"/>
-        <a:font script="Telu" typeface="Gautami"/>
-        <a:font script="Taml" typeface="Latha"/>
-        <a:font script="Syrc" typeface="Estrangelo Edessa"/>
-        <a:font script="Orya" typeface="Kalinga"/>
-        <a:font script="Mlym" typeface="Kartika"/>
-        <a:font script="Laoo" typeface="DokChampa"/>
-        <a:font script="Sinh" typeface="Iskoola Pota"/>
-        <a:font script="Mong" typeface="Mongolian Baiti"/>
-        <a:font script="Viet" typeface="Arial"/>
-        <a:font script="Uigh" typeface="Microsoft Uighur"/>
-        <a:font script="Geor" typeface="Sylfaen"/>
-      </a:minorFont>
-    </a:fontScheme>
-    <a:fmtScheme name="Office">
-      <a:fillStyleLst>
-        <a:solidFill>
-          <a:schemeClr val="phClr"/>
-        </a:solidFill>
-        <a:gradFill rotWithShape="1">
-          <a:gsLst>
-            <a:gs pos="0">
-              <a:schemeClr val="phClr">
-                <a:tint val="50000"/>
-                <a:satMod val="300000"/>
-              </a:schemeClr>
-            </a:gs>
-            <a:gs pos="35000">
-              <a:schemeClr val="phClr">
-                <a:tint val="37000"/>
-                <a:satMod val="300000"/>
-              </a:schemeClr>
-            </a:gs>
-            <a:gs pos="100000">
-              <a:schemeClr val="phClr">
-                <a:tint val="15000"/>
-                <a:satMod val="350000"/>
-              </a:schemeClr>
-            </a:gs>
-          </a:gsLst>
-          <a:lin ang="16200000" scaled="1"/>
-        </a:gradFill>
-        <a:gradFill rotWithShape="1">
-          <a:gsLst>
-            <a:gs pos="0">
-              <a:schemeClr val="phClr">
-                <a:tint val="100000"/>
-                <a:shade val="100000"/>
-                <a:satMod val="130000"/>
-              </a:schemeClr>
-            </a:gs>
-            <a:gs pos="100000">
-              <a:schemeClr val="phClr">
-                <a:tint val="50000"/>
-                <a:shade val="100000"/>
-                <a:satMod val="350000"/>
-              </a:schemeClr>
-            </a:gs>
-          </a:gsLst>
-          <a:lin ang="16200000" scaled="0"/>
-        </a:gradFill>
-      </a:fillStyleLst>
-      <a:lnStyleLst>
-        <a:ln w="9525" cap="flat" cmpd="sng" algn="ctr">
-          <a:solidFill>
-            <a:schemeClr val="phClr">
-              <a:shade val="95000"/>
-              <a:satMod val="105000"/>
-            </a:schemeClr>
-          </a:solidFill>
-          <a:prstDash val="solid"/>
-        </a:ln>
-        <a:ln w="25400" cap="flat" cmpd="sng" algn="ctr">
-          <a:solidFill>
-            <a:schemeClr val="phClr"/>
-          </a:solidFill>
-          <a:prstDash val="solid"/>
-        </a:ln>
-        <a:ln w="38100" cap="flat" cmpd="sng" algn="ctr">
-          <a:solidFill>
-            <a:schemeClr val="phClr"/>
-          </a:solidFill>
-          <a:prstDash val="solid"/>
-        </a:ln>
-      </a:lnStyleLst>
-      <a:effectStyleLst>
-        <a:effectStyle>
-          <a:effectLst>
-            <a:outerShdw blurRad="40000" dist="20000" dir="5400000" rotWithShape="0">
-              <a:srgbClr val="000000">
-                <a:alpha val="38000"/>
-              </a:srgbClr>
-            </a:outerShdw>
-          </a:effectLst>
-        </a:effectStyle>
-        <a:effectStyle>
-          <a:effectLst>
-            <a:outerShdw blurRad="40000" dist="23000" dir="5400000" rotWithShape="0">
-              <a:srgbClr val="000000">
-                <a:alpha val="35000"/>
-              </a:srgbClr>
-            </a:outerShdw>
-          </a:effectLst>
-        </a:effectStyle>
-        <a:effectStyle>
-          <a:effectLst>
-            <a:outerShdw blurRad="40000" dist="23000" dir="5400000" rotWithShape="0">
-              <a:srgbClr val="000000">
-                <a:alpha val="35000"/>
-              </a:srgbClr>
-            </a:outerShdw>
-          </a:effectLst>
-          <a:scene3d>
-            <a:camera prst="orthographicFront">
-              <a:rot lat="0" lon="0" rev="0"/>
-            </a:camera>
-            <a:lightRig rig="threePt" dir="t">
-              <a:rot lat="0" lon="0" rev="1200000"/>
-            </a:lightRig>
-          </a:scene3d>
-          <a:sp3d>
-            <a:bevelT w="63500" h="25400"/>
-          </a:sp3d>
-        </a:effectStyle>
-      </a:effectStyleLst>
-      <a:bgFillStyleLst>
-        <a:solidFill>
-          <a:schemeClr val="phClr"/>
-        </a:solidFill>
-        <a:gradFill rotWithShape="1">
-          <a:gsLst>
-            <a:gs pos="0">
-              <a:schemeClr val="phClr">
-                <a:tint val="40000"/>
-                <a:satMod val="350000"/>
-              </a:schemeClr>
-            </a:gs>
-            <a:gs pos="40000">
-              <a:schemeClr val="phClr">
-                <a:tint val="45000"/>
-                <a:shade val="99000"/>
-                <a:satMod val="350000"/>
-              </a:schemeClr>
-            </a:gs>
-            <a:gs pos="100000">
-              <a:schemeClr val="phClr">
-                <a:shade val="20000"/>
-                <a:satMod val="255000"/>
-              </a:schemeClr>
-            </a:gs>
-          </a:gsLst>
-          <a:path path="circle">
-            <a:fillToRect l="50000" t="-80000" r="50000" b="180000"/>
-          </a:path>
-        </a:gradFill>
-        <a:gradFill rotWithShape="1">
-          <a:gsLst>
-            <a:gs pos="0">
-              <a:schemeClr val="phClr">
-                <a:tint val="80000"/>
-                <a:satMod val="300000"/>
-              </a:schemeClr>
-            </a:gs>
-            <a:gs pos="100000">
-              <a:schemeClr val="phClr">
-                <a:shade val="30000"/>
-                <a:satMod val="200000"/>
-              </a:schemeClr>
-            </a:gs>
-          </a:gsLst>
-          <a:path path="circle">
-            <a:fillToRect l="50000" t="50000" r="50000" b="50000"/>
-          </a:path>
-        </a:gradFill>
-      </a:bgFillStyleLst>
-    </a:fmtScheme>
-  </a:themeElements>
-</a:theme>
 </file>